--- a/speed-and-refactor/Ways-to-improve-Compilation-time.pptx
+++ b/speed-and-refactor/Ways-to-improve-Compilation-time.pptx
@@ -9,7 +9,13 @@
     <p:sldId id="258" r:id="rId3"/>
     <p:sldId id="259" r:id="rId4"/>
     <p:sldId id="261" r:id="rId5"/>
-    <p:sldId id="260" r:id="rId6"/>
+    <p:sldId id="262" r:id="rId6"/>
+    <p:sldId id="260" r:id="rId7"/>
+    <p:sldId id="263" r:id="rId8"/>
+    <p:sldId id="264" r:id="rId9"/>
+    <p:sldId id="265" r:id="rId10"/>
+    <p:sldId id="266" r:id="rId11"/>
+    <p:sldId id="267" r:id="rId12"/>
   </p:sldIdLst>
   <p:sldSz cx="12192000" cy="6858000"/>
   <p:notesSz cx="6858000" cy="9144000"/>
@@ -114,6 +120,14 @@
     </p:ext>
   </p:extLst>
 </p:presentation>
+</file>
+
+<file path=ppt/revisionInfo.xml><?xml version="1.0" encoding="utf-8"?>
+<p1510:revInfo xmlns:a="http://schemas.openxmlformats.org/drawingml/2006/main" xmlns:r="http://schemas.openxmlformats.org/officeDocument/2006/relationships" xmlns:p1510="http://schemas.microsoft.com/office/powerpoint/2015/10/main">
+  <p1510:revLst>
+    <p1510:client id="{F6F4BEC5-7D62-4570-9E40-C603AFD90987}" v="2006" dt="2020-02-06T10:54:27.348"/>
+  </p1510:revLst>
+</p1510:revInfo>
 </file>
 
 <file path=ppt/slideLayouts/slideLayout1.xml><?xml version="1.0" encoding="utf-8"?>
@@ -4187,6 +4201,417 @@
 </p:sld>
 </file>
 
+<file path=ppt/slides/slide10.xml><?xml version="1.0" encoding="utf-8"?>
+<p:sld xmlns:a="http://schemas.openxmlformats.org/drawingml/2006/main" xmlns:r="http://schemas.openxmlformats.org/officeDocument/2006/relationships" xmlns:p="http://schemas.openxmlformats.org/presentationml/2006/main">
+  <p:cSld>
+    <p:spTree>
+      <p:nvGrpSpPr>
+        <p:cNvPr id="1" name=""/>
+        <p:cNvGrpSpPr/>
+        <p:nvPr/>
+      </p:nvGrpSpPr>
+      <p:grpSpPr>
+        <a:xfrm>
+          <a:off x="0" y="0"/>
+          <a:ext cx="0" cy="0"/>
+          <a:chOff x="0" y="0"/>
+          <a:chExt cx="0" cy="0"/>
+        </a:xfrm>
+      </p:grpSpPr>
+      <p:sp>
+        <p:nvSpPr>
+          <p:cNvPr id="2" name="Title 1">
+            <a:extLst>
+              <a:ext uri="{FF2B5EF4-FFF2-40B4-BE49-F238E27FC236}">
+                <a16:creationId xmlns:a16="http://schemas.microsoft.com/office/drawing/2014/main" id="{33DFF219-1569-4C87-BAED-ED56E778D5B3}"/>
+              </a:ext>
+            </a:extLst>
+          </p:cNvPr>
+          <p:cNvSpPr>
+            <a:spLocks noGrp="1"/>
+          </p:cNvSpPr>
+          <p:nvPr>
+            <p:ph type="title"/>
+          </p:nvPr>
+        </p:nvSpPr>
+        <p:spPr/>
+        <p:txBody>
+          <a:bodyPr/>
+          <a:lstStyle/>
+          <a:p>
+            <a:r>
+              <a:rPr lang="en-US"/>
+              <a:t>joy of legacy codebase</a:t>
+            </a:r>
+          </a:p>
+        </p:txBody>
+      </p:sp>
+      <p:sp>
+        <p:nvSpPr>
+          <p:cNvPr id="3" name="Content Placeholder 2">
+            <a:extLst>
+              <a:ext uri="{FF2B5EF4-FFF2-40B4-BE49-F238E27FC236}">
+                <a16:creationId xmlns:a16="http://schemas.microsoft.com/office/drawing/2014/main" id="{67998A79-4501-4BF3-A3B0-92D106359AF1}"/>
+              </a:ext>
+            </a:extLst>
+          </p:cNvPr>
+          <p:cNvSpPr>
+            <a:spLocks noGrp="1"/>
+          </p:cNvSpPr>
+          <p:nvPr>
+            <p:ph idx="1"/>
+          </p:nvPr>
+        </p:nvSpPr>
+        <p:spPr/>
+        <p:txBody>
+          <a:bodyPr>
+            <a:normAutofit/>
+          </a:bodyPr>
+          <a:lstStyle/>
+          <a:p>
+            <a:pPr marL="305435" indent="-305435"/>
+            <a:r>
+              <a:rPr lang="en-US"/>
+              <a:t>clang-tidy comes with help</a:t>
+            </a:r>
+          </a:p>
+          <a:p>
+            <a:pPr marL="305435" indent="-305435"/>
+            <a:endParaRPr lang="en-US" dirty="0"/>
+          </a:p>
+          <a:p>
+            <a:pPr marL="305435" indent="-305435"/>
+            <a:endParaRPr lang="en-US" dirty="0"/>
+          </a:p>
+          <a:p>
+            <a:pPr marL="305435" indent="-305435"/>
+            <a:endParaRPr lang="en-US" dirty="0"/>
+          </a:p>
+          <a:p>
+            <a:pPr marL="305435" indent="-305435"/>
+            <a:endParaRPr lang="en-US" dirty="0"/>
+          </a:p>
+          <a:p>
+            <a:pPr marL="305435" indent="-305435"/>
+            <a:endParaRPr lang="en-US" dirty="0"/>
+          </a:p>
+          <a:p>
+            <a:pPr marL="305435" indent="-305435"/>
+            <a:endParaRPr lang="en-US" dirty="0"/>
+          </a:p>
+          <a:p>
+            <a:pPr marL="305435" indent="-305435"/>
+            <a:endParaRPr lang="en-US" dirty="0"/>
+          </a:p>
+          <a:p>
+            <a:pPr marL="629920" lvl="1" indent="-305435"/>
+            <a:endParaRPr lang="en-US" dirty="0"/>
+          </a:p>
+        </p:txBody>
+      </p:sp>
+      <p:sp>
+        <p:nvSpPr>
+          <p:cNvPr id="4" name="TextBox 3">
+            <a:extLst>
+              <a:ext uri="{FF2B5EF4-FFF2-40B4-BE49-F238E27FC236}">
+                <a16:creationId xmlns:a16="http://schemas.microsoft.com/office/drawing/2014/main" id="{A663B580-291F-46FC-9E0F-21DC2191BDE2}"/>
+              </a:ext>
+            </a:extLst>
+          </p:cNvPr>
+          <p:cNvSpPr txBox="1"/>
+          <p:nvPr/>
+        </p:nvSpPr>
+        <p:spPr>
+          <a:xfrm>
+            <a:off x="936812" y="2740959"/>
+            <a:ext cx="2743200" cy="3231654"/>
+          </a:xfrm>
+          <a:prstGeom prst="rect">
+            <a:avLst/>
+          </a:prstGeom>
+          <a:noFill/>
+        </p:spPr>
+        <p:txBody>
+          <a:bodyPr rot="0" spcFirstLastPara="0" vertOverflow="overflow" horzOverflow="overflow" vert="horz" wrap="square" lIns="91440" tIns="45720" rIns="91440" bIns="45720" numCol="1" spcCol="0" rtlCol="0" fromWordArt="0" anchor="t" anchorCtr="0" forceAA="0" compatLnSpc="1">
+            <a:prstTxWarp prst="textNoShape">
+              <a:avLst/>
+            </a:prstTxWarp>
+            <a:spAutoFit/>
+          </a:bodyPr>
+          <a:lstStyle/>
+          <a:p>
+            <a:r>
+              <a:rPr lang="en-US" sz="1200">
+                <a:ea typeface="+mn-lt"/>
+                <a:cs typeface="+mn-lt"/>
+              </a:rPr>
+              <a:t>modernize-avoid-bind</a:t>
+            </a:r>
+            <a:endParaRPr lang="en-US" sz="1200"/>
+          </a:p>
+          <a:p>
+            <a:r>
+              <a:rPr lang="en-US" sz="1200">
+                <a:ea typeface="+mn-lt"/>
+                <a:cs typeface="+mn-lt"/>
+              </a:rPr>
+              <a:t>modernize-deprecated-headers</a:t>
+            </a:r>
+            <a:endParaRPr lang="en-US" sz="1200"/>
+          </a:p>
+          <a:p>
+            <a:r>
+              <a:rPr lang="en-US" sz="1200">
+                <a:ea typeface="+mn-lt"/>
+                <a:cs typeface="+mn-lt"/>
+              </a:rPr>
+              <a:t>modernize-loop-convert</a:t>
+            </a:r>
+            <a:endParaRPr lang="en-US" sz="1200"/>
+          </a:p>
+          <a:p>
+            <a:r>
+              <a:rPr lang="en-US" sz="1200">
+                <a:ea typeface="+mn-lt"/>
+                <a:cs typeface="+mn-lt"/>
+              </a:rPr>
+              <a:t>modernize-make-shared</a:t>
+            </a:r>
+            <a:endParaRPr lang="en-US" sz="1200"/>
+          </a:p>
+          <a:p>
+            <a:r>
+              <a:rPr lang="en-US" sz="1200">
+                <a:ea typeface="+mn-lt"/>
+                <a:cs typeface="+mn-lt"/>
+              </a:rPr>
+              <a:t>modernize-make-unique</a:t>
+            </a:r>
+            <a:endParaRPr lang="en-US" sz="1200"/>
+          </a:p>
+          <a:p>
+            <a:r>
+              <a:rPr lang="en-US" sz="1200">
+                <a:ea typeface="+mn-lt"/>
+                <a:cs typeface="+mn-lt"/>
+              </a:rPr>
+              <a:t>modernize-pass-by-value</a:t>
+            </a:r>
+            <a:endParaRPr lang="en-US" sz="1200"/>
+          </a:p>
+          <a:p>
+            <a:r>
+              <a:rPr lang="en-US" sz="1200">
+                <a:ea typeface="+mn-lt"/>
+                <a:cs typeface="+mn-lt"/>
+              </a:rPr>
+              <a:t>modernize-raw-string-literal</a:t>
+            </a:r>
+            <a:endParaRPr lang="en-US" sz="1200"/>
+          </a:p>
+          <a:p>
+            <a:r>
+              <a:rPr lang="en-US" sz="1200">
+                <a:ea typeface="+mn-lt"/>
+                <a:cs typeface="+mn-lt"/>
+              </a:rPr>
+              <a:t>modernize-redundant-void-arg</a:t>
+            </a:r>
+            <a:endParaRPr lang="en-US" sz="1200"/>
+          </a:p>
+          <a:p>
+            <a:r>
+              <a:rPr lang="en-US" sz="1200">
+                <a:ea typeface="+mn-lt"/>
+                <a:cs typeface="+mn-lt"/>
+              </a:rPr>
+              <a:t>modernize-replace-auto-ptr</a:t>
+            </a:r>
+            <a:endParaRPr lang="en-US" sz="1200"/>
+          </a:p>
+          <a:p>
+            <a:r>
+              <a:rPr lang="en-US" sz="1200">
+                <a:ea typeface="+mn-lt"/>
+                <a:cs typeface="+mn-lt"/>
+              </a:rPr>
+              <a:t>modernize-shrink-to-fit</a:t>
+            </a:r>
+            <a:endParaRPr lang="en-US" sz="1200"/>
+          </a:p>
+          <a:p>
+            <a:r>
+              <a:rPr lang="en-US" sz="1200">
+                <a:ea typeface="+mn-lt"/>
+                <a:cs typeface="+mn-lt"/>
+              </a:rPr>
+              <a:t>modernize-use-auto</a:t>
+            </a:r>
+            <a:endParaRPr lang="en-US" sz="1200"/>
+          </a:p>
+          <a:p>
+            <a:r>
+              <a:rPr lang="en-US" sz="1200">
+                <a:ea typeface="+mn-lt"/>
+                <a:cs typeface="+mn-lt"/>
+              </a:rPr>
+              <a:t>modernize-use-bool-literals</a:t>
+            </a:r>
+            <a:endParaRPr lang="en-US" sz="1200"/>
+          </a:p>
+          <a:p>
+            <a:r>
+              <a:rPr lang="en-US" sz="1200">
+                <a:ea typeface="+mn-lt"/>
+                <a:cs typeface="+mn-lt"/>
+              </a:rPr>
+              <a:t>modernize-use-default</a:t>
+            </a:r>
+            <a:endParaRPr lang="en-US" sz="1200"/>
+          </a:p>
+          <a:p>
+            <a:r>
+              <a:rPr lang="en-US" sz="1200">
+                <a:ea typeface="+mn-lt"/>
+                <a:cs typeface="+mn-lt"/>
+              </a:rPr>
+              <a:t>modernize-use-emplace</a:t>
+            </a:r>
+            <a:endParaRPr lang="en-US" sz="1200"/>
+          </a:p>
+          <a:p>
+            <a:r>
+              <a:rPr lang="en-US" sz="1200">
+                <a:ea typeface="+mn-lt"/>
+                <a:cs typeface="+mn-lt"/>
+              </a:rPr>
+              <a:t>modernize-use-nullptr</a:t>
+            </a:r>
+            <a:endParaRPr lang="en-US" sz="1200"/>
+          </a:p>
+          <a:p>
+            <a:r>
+              <a:rPr lang="en-US" sz="1200">
+                <a:ea typeface="+mn-lt"/>
+                <a:cs typeface="+mn-lt"/>
+              </a:rPr>
+              <a:t>modernize-use-override</a:t>
+            </a:r>
+            <a:endParaRPr lang="en-US" sz="1200"/>
+          </a:p>
+          <a:p>
+            <a:pPr algn="l"/>
+            <a:r>
+              <a:rPr lang="en-US" sz="1200">
+                <a:ea typeface="+mn-lt"/>
+                <a:cs typeface="+mn-lt"/>
+              </a:rPr>
+              <a:t>modernize-use-using</a:t>
+            </a:r>
+            <a:endParaRPr lang="en-US" sz="1200"/>
+          </a:p>
+        </p:txBody>
+      </p:sp>
+    </p:spTree>
+    <p:extLst>
+      <p:ext uri="{BB962C8B-B14F-4D97-AF65-F5344CB8AC3E}">
+        <p14:creationId xmlns:p14="http://schemas.microsoft.com/office/powerpoint/2010/main" val="673629118"/>
+      </p:ext>
+    </p:extLst>
+  </p:cSld>
+  <p:clrMapOvr>
+    <a:masterClrMapping/>
+  </p:clrMapOvr>
+</p:sld>
+</file>
+
+<file path=ppt/slides/slide11.xml><?xml version="1.0" encoding="utf-8"?>
+<p:sld xmlns:a="http://schemas.openxmlformats.org/drawingml/2006/main" xmlns:r="http://schemas.openxmlformats.org/officeDocument/2006/relationships" xmlns:p="http://schemas.openxmlformats.org/presentationml/2006/main">
+  <p:cSld>
+    <p:spTree>
+      <p:nvGrpSpPr>
+        <p:cNvPr id="1" name=""/>
+        <p:cNvGrpSpPr/>
+        <p:nvPr/>
+      </p:nvGrpSpPr>
+      <p:grpSpPr>
+        <a:xfrm>
+          <a:off x="0" y="0"/>
+          <a:ext cx="0" cy="0"/>
+          <a:chOff x="0" y="0"/>
+          <a:chExt cx="0" cy="0"/>
+        </a:xfrm>
+      </p:grpSpPr>
+      <p:sp>
+        <p:nvSpPr>
+          <p:cNvPr id="2" name="Title 1">
+            <a:extLst>
+              <a:ext uri="{FF2B5EF4-FFF2-40B4-BE49-F238E27FC236}">
+                <a16:creationId xmlns:a16="http://schemas.microsoft.com/office/drawing/2014/main" id="{347FBC2D-52AB-42FD-85EC-CDB8421CBEDD}"/>
+              </a:ext>
+            </a:extLst>
+          </p:cNvPr>
+          <p:cNvSpPr>
+            <a:spLocks noGrp="1"/>
+          </p:cNvSpPr>
+          <p:nvPr>
+            <p:ph type="title"/>
+          </p:nvPr>
+        </p:nvSpPr>
+        <p:spPr/>
+        <p:txBody>
+          <a:bodyPr/>
+          <a:lstStyle/>
+          <a:p>
+            <a:r>
+              <a:rPr lang="en-US"/>
+              <a:t>Thanks for being with us</a:t>
+            </a:r>
+          </a:p>
+        </p:txBody>
+      </p:sp>
+      <p:pic>
+        <p:nvPicPr>
+          <p:cNvPr id="4" name="Picture 4" descr="A close up of a logo&#10;&#10;Description generated with high confidence">
+            <a:extLst>
+              <a:ext uri="{FF2B5EF4-FFF2-40B4-BE49-F238E27FC236}">
+                <a16:creationId xmlns:a16="http://schemas.microsoft.com/office/drawing/2014/main" id="{B323C1EB-BF56-438A-93D6-A57F78F8F351}"/>
+              </a:ext>
+            </a:extLst>
+          </p:cNvPr>
+          <p:cNvPicPr>
+            <a:picLocks noGrp="1" noChangeAspect="1"/>
+          </p:cNvPicPr>
+          <p:nvPr>
+            <p:ph idx="1"/>
+          </p:nvPr>
+        </p:nvPicPr>
+        <p:blipFill>
+          <a:blip r:embed="rId2"/>
+          <a:stretch>
+            <a:fillRect/>
+          </a:stretch>
+        </p:blipFill>
+        <p:spPr>
+          <a:xfrm>
+            <a:off x="4579845" y="2642301"/>
+            <a:ext cx="2472016" cy="2472016"/>
+          </a:xfrm>
+        </p:spPr>
+      </p:pic>
+    </p:spTree>
+    <p:extLst>
+      <p:ext uri="{BB962C8B-B14F-4D97-AF65-F5344CB8AC3E}">
+        <p14:creationId xmlns:p14="http://schemas.microsoft.com/office/powerpoint/2010/main" val="3468134137"/>
+      </p:ext>
+    </p:extLst>
+  </p:cSld>
+  <p:clrMapOvr>
+    <a:masterClrMapping/>
+  </p:clrMapOvr>
+</p:sld>
+</file>
+
 <file path=ppt/slides/slide2.xml><?xml version="1.0" encoding="utf-8"?>
 <p:sld xmlns:a="http://schemas.openxmlformats.org/drawingml/2006/main" xmlns:r="http://schemas.openxmlformats.org/officeDocument/2006/relationships" xmlns:p="http://schemas.openxmlformats.org/presentationml/2006/main">
   <p:cSld>
@@ -4253,31 +4678,36 @@
           <a:bodyPr/>
           <a:lstStyle/>
           <a:p>
+            <a:pPr marL="305435" indent="-305435"/>
             <a:r>
               <a:rPr lang="en-US" dirty="0"/>
               <a:t>Parsing (requires to parse an overly complicated syntax)</a:t>
             </a:r>
-          </a:p>
-          <a:p>
+            <a:endParaRPr lang="en-US"/>
+          </a:p>
+          <a:p>
+            <a:pPr marL="305435" indent="-305435"/>
             <a:r>
               <a:rPr lang="en-US" dirty="0"/>
               <a:t>Templates (quite complicated to parse, defined in headers, substitution for every type)</a:t>
             </a:r>
           </a:p>
           <a:p>
+            <a:pPr marL="305435" indent="-305435"/>
             <a:r>
               <a:rPr lang="en-US" dirty="0"/>
               <a:t>Header files (single compilation unit requires headers to be recompiled)</a:t>
             </a:r>
           </a:p>
           <a:p>
+            <a:pPr marL="305435" indent="-305435"/>
             <a:r>
               <a:rPr lang="en-US" dirty="0"/>
               <a:t>Optimizations (inline and other </a:t>
             </a:r>
             <a:r>
-              <a:rPr lang="en-US" dirty="0" err="1"/>
-              <a:t>optimisations</a:t>
+              <a:rPr lang="en-US"/>
+              <a:t>optimizations</a:t>
             </a:r>
             <a:r>
               <a:rPr lang="en-US" dirty="0"/>
@@ -4285,6 +4715,7 @@
             </a:r>
           </a:p>
           <a:p>
+            <a:pPr marL="305435" indent="-305435"/>
             <a:r>
               <a:rPr lang="en-US" dirty="0"/>
               <a:t>Bugs (e.g. </a:t>
@@ -4301,12 +4732,14 @@
             </a:r>
           </a:p>
           <a:p>
+            <a:pPr marL="305435" indent="-305435"/>
             <a:r>
               <a:rPr lang="en-US" dirty="0"/>
               <a:t>Linking</a:t>
             </a:r>
           </a:p>
           <a:p>
+            <a:pPr marL="305435" indent="-305435"/>
             <a:endParaRPr lang="en-US" dirty="0"/>
           </a:p>
         </p:txBody>
@@ -4390,48 +4823,57 @@
           <a:bodyPr/>
           <a:lstStyle/>
           <a:p>
+            <a:pPr marL="305435" indent="-305435"/>
             <a:r>
               <a:rPr lang="en-US" dirty="0"/>
               <a:t>Leave it as it is</a:t>
             </a:r>
-          </a:p>
-          <a:p>
+            <a:endParaRPr lang="en-US"/>
+          </a:p>
+          <a:p>
+            <a:pPr marL="305435" indent="-305435"/>
             <a:r>
               <a:rPr lang="en-US" dirty="0"/>
               <a:t>Use cache system</a:t>
             </a:r>
           </a:p>
           <a:p>
+            <a:pPr marL="305435" indent="-305435"/>
             <a:r>
               <a:rPr lang="en-US" dirty="0"/>
               <a:t>Use different toolchain</a:t>
             </a:r>
           </a:p>
           <a:p>
+            <a:pPr marL="305435" indent="-305435"/>
             <a:r>
               <a:rPr lang="en-US" dirty="0"/>
               <a:t>Use distributed build</a:t>
             </a:r>
           </a:p>
           <a:p>
+            <a:pPr marL="305435" indent="-305435"/>
             <a:r>
               <a:rPr lang="en-US" dirty="0"/>
               <a:t>Use advanced compilation techniques (PCH, SCU)</a:t>
             </a:r>
           </a:p>
           <a:p>
+            <a:pPr marL="305435" indent="-305435"/>
             <a:r>
               <a:rPr lang="en-US" dirty="0"/>
-              <a:t>Fix “header hell”</a:t>
-            </a:r>
-          </a:p>
-          <a:p>
+              <a:t>Coding techniques</a:t>
+            </a:r>
+          </a:p>
+          <a:p>
+            <a:pPr marL="305435" indent="-305435"/>
             <a:r>
               <a:rPr lang="en-US" dirty="0"/>
               <a:t>Make manual fixes to a code</a:t>
             </a:r>
           </a:p>
           <a:p>
+            <a:pPr marL="305435" indent="-305435"/>
             <a:endParaRPr lang="en-US" dirty="0"/>
           </a:p>
         </p:txBody>
@@ -4515,6 +4957,77 @@
           <a:bodyPr/>
           <a:lstStyle/>
           <a:p>
+            <a:pPr marL="305435" indent="-305435"/>
+            <a:r>
+              <a:rPr lang="en-US" dirty="0" err="1"/>
+              <a:t>ccache</a:t>
+            </a:r>
+          </a:p>
+          <a:p>
+            <a:pPr marL="305435" indent="-305435"/>
+            <a:r>
+              <a:rPr lang="en-US" dirty="0" err="1"/>
+              <a:t>clcache</a:t>
+            </a:r>
+            <a:r>
+              <a:rPr lang="en-US" dirty="0"/>
+              <a:t> </a:t>
+            </a:r>
+          </a:p>
+          <a:p>
+            <a:pPr marL="305435" indent="-305435"/>
+            <a:r>
+              <a:rPr lang="en-US" dirty="0" err="1"/>
+              <a:t>sccache</a:t>
+            </a:r>
+            <a:r>
+              <a:rPr lang="en-US" dirty="0"/>
+              <a:t> (</a:t>
+            </a:r>
+            <a:r>
+              <a:rPr lang="en-US" dirty="0" err="1"/>
+              <a:t>mozilla</a:t>
+            </a:r>
+            <a:r>
+              <a:rPr lang="en-US" dirty="0"/>
+              <a:t>)</a:t>
+            </a:r>
+          </a:p>
+          <a:p>
+            <a:pPr marL="305435" indent="-305435"/>
+            <a:r>
+              <a:rPr lang="en-US" i="1" dirty="0"/>
+              <a:t>Caveats</a:t>
+            </a:r>
+            <a:r>
+              <a:rPr lang="en-US" dirty="0"/>
+              <a:t>: </a:t>
+            </a:r>
+          </a:p>
+          <a:p>
+            <a:pPr marL="629920" lvl="1" indent="-305435">
+              <a:lnSpc>
+                <a:spcPct val="110000"/>
+              </a:lnSpc>
+            </a:pPr>
+            <a:r>
+              <a:rPr lang="en-US" dirty="0"/>
+              <a:t>Not straightforward integration with MSVC. </a:t>
+            </a:r>
+          </a:p>
+          <a:p>
+            <a:pPr marL="629920" lvl="1" indent="-305435">
+              <a:lnSpc>
+                <a:spcPct val="110000"/>
+              </a:lnSpc>
+            </a:pPr>
+            <a:r>
+              <a:rPr lang="en-US" dirty="0"/>
+              <a:t>You have to manipulate with MSVC project flags</a:t>
+            </a:r>
+          </a:p>
+          <a:p>
+            <a:pPr marL="305435" indent="-305435"/>
             <a:endParaRPr lang="en-US" dirty="0"/>
           </a:p>
         </p:txBody>
@@ -4554,6 +5067,164 @@
           <p:cNvPr id="2" name="Title 1">
             <a:extLst>
               <a:ext uri="{FF2B5EF4-FFF2-40B4-BE49-F238E27FC236}">
+                <a16:creationId xmlns:a16="http://schemas.microsoft.com/office/drawing/2014/main" id="{10B94EFB-72DC-440C-904C-AF403F286B21}"/>
+              </a:ext>
+            </a:extLst>
+          </p:cNvPr>
+          <p:cNvSpPr>
+            <a:spLocks noGrp="1"/>
+          </p:cNvSpPr>
+          <p:nvPr>
+            <p:ph type="title"/>
+          </p:nvPr>
+        </p:nvSpPr>
+        <p:spPr/>
+        <p:txBody>
+          <a:bodyPr/>
+          <a:lstStyle/>
+          <a:p>
+            <a:r>
+              <a:rPr lang="en-US" dirty="0"/>
+              <a:t>Toolchain</a:t>
+            </a:r>
+          </a:p>
+        </p:txBody>
+      </p:sp>
+      <p:pic>
+        <p:nvPicPr>
+          <p:cNvPr id="4" name="Picture 4" descr="A screenshot of a cell phone&#10;&#10;Description generated with very high confidence">
+            <a:extLst>
+              <a:ext uri="{FF2B5EF4-FFF2-40B4-BE49-F238E27FC236}">
+                <a16:creationId xmlns:a16="http://schemas.microsoft.com/office/drawing/2014/main" id="{FC005377-FAE9-4368-AC23-46510D60C647}"/>
+              </a:ext>
+            </a:extLst>
+          </p:cNvPr>
+          <p:cNvPicPr>
+            <a:picLocks noGrp="1" noChangeAspect="1"/>
+          </p:cNvPicPr>
+          <p:nvPr>
+            <p:ph sz="half" idx="1"/>
+          </p:nvPr>
+        </p:nvPicPr>
+        <p:blipFill>
+          <a:blip r:embed="rId2"/>
+          <a:stretch>
+            <a:fillRect/>
+          </a:stretch>
+        </p:blipFill>
+        <p:spPr>
+          <a:xfrm>
+            <a:off x="6429826" y="2260880"/>
+            <a:ext cx="5184434" cy="3633787"/>
+          </a:xfrm>
+        </p:spPr>
+      </p:pic>
+      <p:sp>
+        <p:nvSpPr>
+          <p:cNvPr id="6" name="Content Placeholder 5">
+            <a:extLst>
+              <a:ext uri="{FF2B5EF4-FFF2-40B4-BE49-F238E27FC236}">
+                <a16:creationId xmlns:a16="http://schemas.microsoft.com/office/drawing/2014/main" id="{4398A1F1-CB65-463B-93FE-FA4848BF7C67}"/>
+              </a:ext>
+            </a:extLst>
+          </p:cNvPr>
+          <p:cNvSpPr>
+            <a:spLocks noGrp="1"/>
+          </p:cNvSpPr>
+          <p:nvPr>
+            <p:ph sz="half" idx="2"/>
+          </p:nvPr>
+        </p:nvSpPr>
+        <p:spPr>
+          <a:xfrm>
+            <a:off x="577774" y="2261621"/>
+            <a:ext cx="5194769" cy="3633047"/>
+          </a:xfrm>
+        </p:spPr>
+        <p:txBody>
+          <a:bodyPr/>
+          <a:lstStyle/>
+          <a:p>
+            <a:pPr marL="305435" indent="-305435"/>
+            <a:r>
+              <a:rPr lang="en-US" dirty="0"/>
+              <a:t>There are flags that can help you improve compilation/linking performance</a:t>
+            </a:r>
+          </a:p>
+          <a:p>
+            <a:pPr marL="305435" indent="-305435"/>
+            <a:r>
+              <a:rPr lang="en-US" dirty="0"/>
+              <a:t>e.g. MSVC </a:t>
+            </a:r>
+          </a:p>
+          <a:p>
+            <a:pPr marL="629920" lvl="1" indent="-305435">
+              <a:lnSpc>
+                <a:spcPct val="110000"/>
+              </a:lnSpc>
+            </a:pPr>
+            <a:r>
+              <a:rPr lang="en-US" dirty="0"/>
+              <a:t>/</a:t>
+            </a:r>
+            <a:r>
+              <a:rPr lang="en-US" dirty="0" err="1"/>
+              <a:t>debug:fastlink</a:t>
+            </a:r>
+            <a:r>
+              <a:rPr lang="en-US" dirty="0"/>
+              <a:t> </a:t>
+            </a:r>
+          </a:p>
+          <a:p>
+            <a:pPr marL="629920" lvl="1" indent="-305435">
+              <a:lnSpc>
+                <a:spcPct val="110000"/>
+              </a:lnSpc>
+            </a:pPr>
+            <a:r>
+              <a:rPr lang="en-US" dirty="0"/>
+              <a:t>/Zi vs /Z7</a:t>
+            </a:r>
+          </a:p>
+        </p:txBody>
+      </p:sp>
+    </p:spTree>
+    <p:extLst>
+      <p:ext uri="{BB962C8B-B14F-4D97-AF65-F5344CB8AC3E}">
+        <p14:creationId xmlns:p14="http://schemas.microsoft.com/office/powerpoint/2010/main" val="2794170697"/>
+      </p:ext>
+    </p:extLst>
+  </p:cSld>
+  <p:clrMapOvr>
+    <a:masterClrMapping/>
+  </p:clrMapOvr>
+</p:sld>
+</file>
+
+<file path=ppt/slides/slide6.xml><?xml version="1.0" encoding="utf-8"?>
+<p:sld xmlns:a="http://schemas.openxmlformats.org/drawingml/2006/main" xmlns:r="http://schemas.openxmlformats.org/officeDocument/2006/relationships" xmlns:p="http://schemas.openxmlformats.org/presentationml/2006/main">
+  <p:cSld>
+    <p:spTree>
+      <p:nvGrpSpPr>
+        <p:cNvPr id="1" name=""/>
+        <p:cNvGrpSpPr/>
+        <p:nvPr/>
+      </p:nvGrpSpPr>
+      <p:grpSpPr>
+        <a:xfrm>
+          <a:off x="0" y="0"/>
+          <a:ext cx="0" cy="0"/>
+          <a:chOff x="0" y="0"/>
+          <a:chExt cx="0" cy="0"/>
+        </a:xfrm>
+      </p:grpSpPr>
+      <p:sp>
+        <p:nvSpPr>
+          <p:cNvPr id="2" name="Title 1">
+            <a:extLst>
+              <a:ext uri="{FF2B5EF4-FFF2-40B4-BE49-F238E27FC236}">
                 <a16:creationId xmlns:a16="http://schemas.microsoft.com/office/drawing/2014/main" id="{48FAFC10-6E11-49AC-A4AA-A1B88DD3C2F9}"/>
               </a:ext>
             </a:extLst>
@@ -4598,7 +5269,80 @@
           <a:bodyPr/>
           <a:lstStyle/>
           <a:p>
-            <a:endParaRPr lang="en-US" dirty="0"/>
+            <a:pPr marL="305435" indent="-305435"/>
+            <a:r>
+              <a:rPr lang="en-US" dirty="0" err="1"/>
+              <a:t>incredibuild</a:t>
+            </a:r>
+            <a:r>
+              <a:rPr lang="en-US" dirty="0"/>
+              <a:t> (paid software) </a:t>
+            </a:r>
+          </a:p>
+          <a:p>
+            <a:pPr marL="305435" indent="-305435"/>
+            <a:r>
+              <a:rPr lang="en-US" dirty="0" err="1"/>
+              <a:t>fastbuild</a:t>
+            </a:r>
+            <a:endParaRPr lang="en-US"/>
+          </a:p>
+          <a:p>
+            <a:pPr marL="305435" indent="-305435"/>
+            <a:r>
+              <a:rPr lang="en-US" dirty="0" err="1"/>
+              <a:t>distcc</a:t>
+            </a:r>
+            <a:r>
+              <a:rPr lang="en-US" dirty="0"/>
+              <a:t> (more for gnu compiler)</a:t>
+            </a:r>
+          </a:p>
+          <a:p>
+            <a:pPr marL="305435" indent="-305435"/>
+            <a:r>
+              <a:rPr lang="en-US" i="1" dirty="0"/>
+              <a:t>Caveats</a:t>
+            </a:r>
+            <a:r>
+              <a:rPr lang="en-US" dirty="0"/>
+              <a:t>:</a:t>
+            </a:r>
+          </a:p>
+          <a:p>
+            <a:pPr marL="629920" lvl="1" indent="-305435">
+              <a:lnSpc>
+                <a:spcPct val="110000"/>
+              </a:lnSpc>
+            </a:pPr>
+            <a:r>
+              <a:rPr lang="en-US" dirty="0"/>
+              <a:t>not everything could be distributed (e.g. </a:t>
+            </a:r>
+            <a:r>
+              <a:rPr lang="en-US" dirty="0" err="1"/>
+              <a:t>pch</a:t>
+            </a:r>
+            <a:r>
+              <a:rPr lang="en-US" dirty="0"/>
+              <a:t> flags, </a:t>
+            </a:r>
+            <a:r>
+              <a:rPr lang="en-US" dirty="0" err="1"/>
+              <a:t>moc</a:t>
+            </a:r>
+            <a:r>
+              <a:rPr lang="en-US" dirty="0"/>
+              <a:t> compilation </a:t>
+            </a:r>
+            <a:r>
+              <a:rPr lang="en-US" dirty="0" err="1"/>
+              <a:t>etc</a:t>
+            </a:r>
+            <a:r>
+              <a:rPr lang="en-US" dirty="0"/>
+              <a:t>)</a:t>
+            </a:r>
           </a:p>
         </p:txBody>
       </p:sp>
@@ -4606,6 +5350,684 @@
     <p:extLst>
       <p:ext uri="{BB962C8B-B14F-4D97-AF65-F5344CB8AC3E}">
         <p14:creationId xmlns:p14="http://schemas.microsoft.com/office/powerpoint/2010/main" val="3369578375"/>
+      </p:ext>
+    </p:extLst>
+  </p:cSld>
+  <p:clrMapOvr>
+    <a:masterClrMapping/>
+  </p:clrMapOvr>
+</p:sld>
+</file>
+
+<file path=ppt/slides/slide7.xml><?xml version="1.0" encoding="utf-8"?>
+<p:sld xmlns:a="http://schemas.openxmlformats.org/drawingml/2006/main" xmlns:r="http://schemas.openxmlformats.org/officeDocument/2006/relationships" xmlns:p="http://schemas.openxmlformats.org/presentationml/2006/main">
+  <p:cSld>
+    <p:spTree>
+      <p:nvGrpSpPr>
+        <p:cNvPr id="1" name=""/>
+        <p:cNvGrpSpPr/>
+        <p:nvPr/>
+      </p:nvGrpSpPr>
+      <p:grpSpPr>
+        <a:xfrm>
+          <a:off x="0" y="0"/>
+          <a:ext cx="0" cy="0"/>
+          <a:chOff x="0" y="0"/>
+          <a:chExt cx="0" cy="0"/>
+        </a:xfrm>
+      </p:grpSpPr>
+      <p:sp>
+        <p:nvSpPr>
+          <p:cNvPr id="2" name="Title 1">
+            <a:extLst>
+              <a:ext uri="{FF2B5EF4-FFF2-40B4-BE49-F238E27FC236}">
+                <a16:creationId xmlns:a16="http://schemas.microsoft.com/office/drawing/2014/main" id="{95FC2BA0-1CE3-4A59-BB32-5154C3BACBFF}"/>
+              </a:ext>
+            </a:extLst>
+          </p:cNvPr>
+          <p:cNvSpPr>
+            <a:spLocks noGrp="1"/>
+          </p:cNvSpPr>
+          <p:nvPr>
+            <p:ph type="title"/>
+          </p:nvPr>
+        </p:nvSpPr>
+        <p:spPr/>
+        <p:txBody>
+          <a:bodyPr/>
+          <a:lstStyle/>
+          <a:p>
+            <a:r>
+              <a:rPr lang="en-US" dirty="0"/>
+              <a:t>Advanced compilation techniques</a:t>
+            </a:r>
+          </a:p>
+        </p:txBody>
+      </p:sp>
+      <p:sp>
+        <p:nvSpPr>
+          <p:cNvPr id="3" name="Content Placeholder 2">
+            <a:extLst>
+              <a:ext uri="{FF2B5EF4-FFF2-40B4-BE49-F238E27FC236}">
+                <a16:creationId xmlns:a16="http://schemas.microsoft.com/office/drawing/2014/main" id="{F50CBE2C-B28B-408A-8C4A-77FCD9BBCDA4}"/>
+              </a:ext>
+            </a:extLst>
+          </p:cNvPr>
+          <p:cNvSpPr>
+            <a:spLocks noGrp="1"/>
+          </p:cNvSpPr>
+          <p:nvPr>
+            <p:ph idx="1"/>
+          </p:nvPr>
+        </p:nvSpPr>
+        <p:spPr/>
+        <p:txBody>
+          <a:bodyPr/>
+          <a:lstStyle/>
+          <a:p>
+            <a:pPr marL="305435" indent="-305435"/>
+            <a:r>
+              <a:rPr lang="en-US" dirty="0"/>
+              <a:t>PCH – Precompiled header file </a:t>
+            </a:r>
+          </a:p>
+          <a:p>
+            <a:pPr marL="629920" lvl="1" indent="-305435"/>
+            <a:r>
+              <a:rPr lang="en-US" dirty="0"/>
+              <a:t>Preprocessed group of headers in advance</a:t>
+            </a:r>
+          </a:p>
+          <a:p>
+            <a:pPr marL="305435" indent="-305435"/>
+            <a:r>
+              <a:rPr lang="en-US" dirty="0"/>
+              <a:t>SCU – single compilation unit</a:t>
+            </a:r>
+          </a:p>
+          <a:p>
+            <a:pPr marL="629920" lvl="1" indent="-305435"/>
+            <a:r>
+              <a:rPr lang="en-US" dirty="0"/>
+              <a:t>Put all </a:t>
+            </a:r>
+            <a:r>
+              <a:rPr lang="en-US" dirty="0" err="1"/>
+              <a:t>cpp</a:t>
+            </a:r>
+            <a:r>
+              <a:rPr lang="en-US" dirty="0"/>
+              <a:t> files in one place</a:t>
+            </a:r>
+          </a:p>
+          <a:p>
+            <a:pPr marL="629920" lvl="1" indent="-305435"/>
+            <a:r>
+              <a:rPr lang="en-US" dirty="0"/>
+              <a:t>It helps to "glue" compilation units through the preprocessor directives </a:t>
+            </a:r>
+          </a:p>
+          <a:p>
+            <a:pPr marL="629920" lvl="1" indent="-305435"/>
+            <a:r>
+              <a:rPr lang="en-US" dirty="0"/>
+              <a:t>Allows compile time optimizations vs link time</a:t>
+            </a:r>
+          </a:p>
+          <a:p>
+            <a:pPr marL="305435" indent="-305435"/>
+            <a:r>
+              <a:rPr lang="en-US" i="1" dirty="0"/>
+              <a:t>Caveats</a:t>
+            </a:r>
+          </a:p>
+          <a:p>
+            <a:pPr marL="629920" lvl="1" indent="-305435"/>
+            <a:r>
+              <a:rPr lang="en-US" dirty="0"/>
+              <a:t>Hard to parallelize might require SCU </a:t>
+            </a:r>
+            <a:r>
+              <a:rPr lang="en-US" i="1" err="1"/>
+              <a:t>sharding</a:t>
+            </a:r>
+            <a:endParaRPr lang="en-US" i="1"/>
+          </a:p>
+          <a:p>
+            <a:pPr marL="629920" lvl="1" indent="-305435"/>
+            <a:r>
+              <a:rPr lang="en-US" dirty="0"/>
+              <a:t>Compilation flags must be identical</a:t>
+            </a:r>
+          </a:p>
+          <a:p>
+            <a:pPr marL="629920" lvl="1" indent="-305435"/>
+            <a:r>
+              <a:rPr lang="en-US" dirty="0"/>
+              <a:t>Doesn't like all compilation flags</a:t>
+            </a:r>
+          </a:p>
+        </p:txBody>
+      </p:sp>
+    </p:spTree>
+    <p:extLst>
+      <p:ext uri="{BB962C8B-B14F-4D97-AF65-F5344CB8AC3E}">
+        <p14:creationId xmlns:p14="http://schemas.microsoft.com/office/powerpoint/2010/main" val="1902702619"/>
+      </p:ext>
+    </p:extLst>
+  </p:cSld>
+  <p:clrMapOvr>
+    <a:masterClrMapping/>
+  </p:clrMapOvr>
+</p:sld>
+</file>
+
+<file path=ppt/slides/slide8.xml><?xml version="1.0" encoding="utf-8"?>
+<p:sld xmlns:a="http://schemas.openxmlformats.org/drawingml/2006/main" xmlns:r="http://schemas.openxmlformats.org/officeDocument/2006/relationships" xmlns:p="http://schemas.openxmlformats.org/presentationml/2006/main">
+  <p:cSld>
+    <p:spTree>
+      <p:nvGrpSpPr>
+        <p:cNvPr id="1" name=""/>
+        <p:cNvGrpSpPr/>
+        <p:nvPr/>
+      </p:nvGrpSpPr>
+      <p:grpSpPr>
+        <a:xfrm>
+          <a:off x="0" y="0"/>
+          <a:ext cx="0" cy="0"/>
+          <a:chOff x="0" y="0"/>
+          <a:chExt cx="0" cy="0"/>
+        </a:xfrm>
+      </p:grpSpPr>
+      <p:sp>
+        <p:nvSpPr>
+          <p:cNvPr id="2" name="Title 1">
+            <a:extLst>
+              <a:ext uri="{FF2B5EF4-FFF2-40B4-BE49-F238E27FC236}">
+                <a16:creationId xmlns:a16="http://schemas.microsoft.com/office/drawing/2014/main" id="{8C3E16B3-BFD1-4BC8-868A-22357E836E7E}"/>
+              </a:ext>
+            </a:extLst>
+          </p:cNvPr>
+          <p:cNvSpPr>
+            <a:spLocks noGrp="1"/>
+          </p:cNvSpPr>
+          <p:nvPr>
+            <p:ph type="title"/>
+          </p:nvPr>
+        </p:nvSpPr>
+        <p:spPr/>
+        <p:txBody>
+          <a:bodyPr/>
+          <a:lstStyle/>
+          <a:p>
+            <a:r>
+              <a:rPr lang="en-US" dirty="0"/>
+              <a:t>Coding techniques</a:t>
+            </a:r>
+          </a:p>
+        </p:txBody>
+      </p:sp>
+      <p:sp>
+        <p:nvSpPr>
+          <p:cNvPr id="3" name="Content Placeholder 2">
+            <a:extLst>
+              <a:ext uri="{FF2B5EF4-FFF2-40B4-BE49-F238E27FC236}">
+                <a16:creationId xmlns:a16="http://schemas.microsoft.com/office/drawing/2014/main" id="{AF13D8ED-145B-4A70-BFFC-5EC588690FF7}"/>
+              </a:ext>
+            </a:extLst>
+          </p:cNvPr>
+          <p:cNvSpPr>
+            <a:spLocks noGrp="1"/>
+          </p:cNvSpPr>
+          <p:nvPr>
+            <p:ph idx="1"/>
+          </p:nvPr>
+        </p:nvSpPr>
+        <p:spPr/>
+        <p:txBody>
+          <a:bodyPr/>
+          <a:lstStyle/>
+          <a:p>
+            <a:pPr marL="305435" indent="-305435"/>
+            <a:r>
+              <a:rPr lang="en-US" dirty="0"/>
+              <a:t>Forward declarations</a:t>
+            </a:r>
+          </a:p>
+          <a:p>
+            <a:pPr marL="305435" indent="-305435"/>
+            <a:r>
+              <a:rPr lang="en-US" dirty="0"/>
+              <a:t>PIMPL idiom</a:t>
+            </a:r>
+          </a:p>
+          <a:p>
+            <a:pPr marL="305435" indent="-305435"/>
+            <a:r>
+              <a:rPr lang="en-US" dirty="0"/>
+              <a:t>Reduce interdependency</a:t>
+            </a:r>
+          </a:p>
+          <a:p>
+            <a:pPr marL="305435" indent="-305435"/>
+            <a:r>
+              <a:rPr lang="en-US" dirty="0"/>
+              <a:t>Extern template instantiations</a:t>
+            </a:r>
+          </a:p>
+          <a:p>
+            <a:pPr marL="629920" lvl="1" indent="-305435"/>
+            <a:r>
+              <a:rPr lang="en-US" dirty="0">
+                <a:latin typeface="Franklin Gothic Book" panose="020B0502020104020203"/>
+              </a:rPr>
+              <a:t>Extern template </a:t>
+            </a:r>
+            <a:r>
+              <a:rPr lang="en-US" i="1" dirty="0">
+                <a:latin typeface="Franklin Gothic Book" panose="020B0502020104020203"/>
+              </a:rPr>
+              <a:t>void </a:t>
+            </a:r>
+            <a:r>
+              <a:rPr lang="en-US" i="1" dirty="0" err="1">
+                <a:latin typeface="Franklin Gothic Book" panose="020B0502020104020203"/>
+              </a:rPr>
+              <a:t>SomeFunction</a:t>
+            </a:r>
+            <a:r>
+              <a:rPr lang="en-US" i="1" dirty="0">
+                <a:latin typeface="Franklin Gothic Book" panose="020B0502020104020203"/>
+              </a:rPr>
+              <a:t>&lt;Type&gt;();</a:t>
+            </a:r>
+          </a:p>
+          <a:p>
+            <a:pPr marL="305435" indent="-305435"/>
+            <a:r>
+              <a:rPr lang="en-US" i="1" dirty="0">
+                <a:ea typeface="+mn-lt"/>
+                <a:cs typeface="+mn-lt"/>
+              </a:rPr>
+              <a:t>Using anonymous namespaces </a:t>
+            </a:r>
+            <a:endParaRPr lang="en-US">
+              <a:ea typeface="+mn-lt"/>
+              <a:cs typeface="+mn-lt"/>
+            </a:endParaRPr>
+          </a:p>
+          <a:p>
+            <a:pPr marL="629920" lvl="1" indent="-305435"/>
+            <a:r>
+              <a:rPr lang="en-US" i="1" dirty="0"/>
+              <a:t>They utilize internal linkage hence are not visible to other translation units</a:t>
+            </a:r>
+          </a:p>
+          <a:p>
+            <a:pPr marL="324485" lvl="1" indent="0">
+              <a:buNone/>
+            </a:pPr>
+            <a:endParaRPr lang="en-US" i="1" dirty="0"/>
+          </a:p>
+          <a:p>
+            <a:pPr marL="324485" lvl="1" indent="0">
+              <a:buNone/>
+            </a:pPr>
+            <a:endParaRPr lang="en-US" i="1" dirty="0"/>
+          </a:p>
+          <a:p>
+            <a:pPr marL="629920" lvl="1" indent="-305435"/>
+            <a:endParaRPr lang="en-US" i="1" dirty="0"/>
+          </a:p>
+          <a:p>
+            <a:pPr marL="0" indent="0">
+              <a:buNone/>
+            </a:pPr>
+            <a:endParaRPr lang="en-US" i="1" dirty="0"/>
+          </a:p>
+        </p:txBody>
+      </p:sp>
+    </p:spTree>
+    <p:extLst>
+      <p:ext uri="{BB962C8B-B14F-4D97-AF65-F5344CB8AC3E}">
+        <p14:creationId xmlns:p14="http://schemas.microsoft.com/office/powerpoint/2010/main" val="430384750"/>
+      </p:ext>
+    </p:extLst>
+  </p:cSld>
+  <p:clrMapOvr>
+    <a:masterClrMapping/>
+  </p:clrMapOvr>
+</p:sld>
+</file>
+
+<file path=ppt/slides/slide9.xml><?xml version="1.0" encoding="utf-8"?>
+<p:sld xmlns:a="http://schemas.openxmlformats.org/drawingml/2006/main" xmlns:r="http://schemas.openxmlformats.org/officeDocument/2006/relationships" xmlns:p="http://schemas.openxmlformats.org/presentationml/2006/main">
+  <p:cSld>
+    <p:spTree>
+      <p:nvGrpSpPr>
+        <p:cNvPr id="1" name=""/>
+        <p:cNvGrpSpPr/>
+        <p:nvPr/>
+      </p:nvGrpSpPr>
+      <p:grpSpPr>
+        <a:xfrm>
+          <a:off x="0" y="0"/>
+          <a:ext cx="0" cy="0"/>
+          <a:chOff x="0" y="0"/>
+          <a:chExt cx="0" cy="0"/>
+        </a:xfrm>
+      </p:grpSpPr>
+      <p:sp>
+        <p:nvSpPr>
+          <p:cNvPr id="2" name="Title 1">
+            <a:extLst>
+              <a:ext uri="{FF2B5EF4-FFF2-40B4-BE49-F238E27FC236}">
+                <a16:creationId xmlns:a16="http://schemas.microsoft.com/office/drawing/2014/main" id="{4ED8BF1E-474A-4F7B-B7E8-2FA6CB829A8E}"/>
+              </a:ext>
+            </a:extLst>
+          </p:cNvPr>
+          <p:cNvSpPr>
+            <a:spLocks noGrp="1"/>
+          </p:cNvSpPr>
+          <p:nvPr>
+            <p:ph type="title"/>
+          </p:nvPr>
+        </p:nvSpPr>
+        <p:spPr/>
+        <p:txBody>
+          <a:bodyPr/>
+          <a:lstStyle/>
+          <a:p>
+            <a:r>
+              <a:rPr lang="en-US" dirty="0"/>
+              <a:t>Tools to automate</a:t>
+            </a:r>
+          </a:p>
+        </p:txBody>
+      </p:sp>
+      <p:sp>
+        <p:nvSpPr>
+          <p:cNvPr id="3" name="Content Placeholder 2">
+            <a:extLst>
+              <a:ext uri="{FF2B5EF4-FFF2-40B4-BE49-F238E27FC236}">
+                <a16:creationId xmlns:a16="http://schemas.microsoft.com/office/drawing/2014/main" id="{165D25C9-393F-4B16-A41F-A620B7BEB4F9}"/>
+              </a:ext>
+            </a:extLst>
+          </p:cNvPr>
+          <p:cNvSpPr>
+            <a:spLocks noGrp="1"/>
+          </p:cNvSpPr>
+          <p:nvPr>
+            <p:ph idx="1"/>
+          </p:nvPr>
+        </p:nvSpPr>
+        <p:spPr/>
+        <p:txBody>
+          <a:bodyPr>
+            <a:normAutofit fontScale="92500" lnSpcReduction="10000"/>
+          </a:bodyPr>
+          <a:lstStyle/>
+          <a:p>
+            <a:pPr marL="305435" indent="-305435"/>
+            <a:endParaRPr lang="en-US" dirty="0"/>
+          </a:p>
+          <a:p>
+            <a:pPr marL="305435" indent="-305435"/>
+            <a:r>
+              <a:rPr lang="en-US"/>
+              <a:t>include-what-you-use (IWYU)</a:t>
+            </a:r>
+          </a:p>
+          <a:p>
+            <a:pPr marL="305435" indent="-305435"/>
+            <a:endParaRPr lang="en-US" dirty="0"/>
+          </a:p>
+          <a:p>
+            <a:pPr marL="305435" indent="-305435"/>
+            <a:endParaRPr lang="en-US" dirty="0"/>
+          </a:p>
+          <a:p>
+            <a:pPr marL="305435" indent="-305435"/>
+            <a:endParaRPr lang="en-US" dirty="0"/>
+          </a:p>
+          <a:p>
+            <a:pPr marL="305435" indent="-305435"/>
+            <a:endParaRPr lang="en-US" dirty="0"/>
+          </a:p>
+          <a:p>
+            <a:pPr marL="305435" indent="-305435"/>
+            <a:endParaRPr lang="en-US" dirty="0"/>
+          </a:p>
+          <a:p>
+            <a:pPr marL="305435" indent="-305435"/>
+            <a:r>
+              <a:rPr lang="en-US"/>
+              <a:t>cotire</a:t>
+            </a:r>
+            <a:endParaRPr lang="en-US" dirty="0"/>
+          </a:p>
+          <a:p>
+            <a:pPr marL="324485" lvl="1" indent="0">
+              <a:buNone/>
+            </a:pPr>
+            <a:r>
+              <a:rPr lang="en-US"/>
+              <a:t>Automatically generates SCU (saves up to 90%)</a:t>
+            </a:r>
+            <a:endParaRPr lang="en-US" dirty="0"/>
+          </a:p>
+          <a:p>
+            <a:pPr marL="324485" lvl="1" indent="0">
+              <a:buNone/>
+            </a:pPr>
+            <a:r>
+              <a:rPr lang="en-US"/>
+              <a:t>Automatically generates PCH (saves from 10% up to 40%)</a:t>
+            </a:r>
+            <a:endParaRPr lang="en-US" dirty="0"/>
+          </a:p>
+          <a:p>
+            <a:pPr marL="305435" indent="-305435"/>
+            <a:endParaRPr lang="en-US" dirty="0"/>
+          </a:p>
+          <a:p>
+            <a:pPr marL="305435" indent="-305435"/>
+            <a:endParaRPr lang="en-US" dirty="0"/>
+          </a:p>
+        </p:txBody>
+      </p:sp>
+      <p:sp>
+        <p:nvSpPr>
+          <p:cNvPr id="8" name="TextBox 7">
+            <a:extLst>
+              <a:ext uri="{FF2B5EF4-FFF2-40B4-BE49-F238E27FC236}">
+                <a16:creationId xmlns:a16="http://schemas.microsoft.com/office/drawing/2014/main" id="{E0CC676B-8DC1-4E57-9BE7-EFC1DE866557}"/>
+              </a:ext>
+            </a:extLst>
+          </p:cNvPr>
+          <p:cNvSpPr txBox="1"/>
+          <p:nvPr/>
+        </p:nvSpPr>
+        <p:spPr>
+          <a:xfrm>
+            <a:off x="3791511" y="2794187"/>
+            <a:ext cx="3415553" cy="1200329"/>
+          </a:xfrm>
+          <a:prstGeom prst="rect">
+            <a:avLst/>
+          </a:prstGeom>
+          <a:noFill/>
+        </p:spPr>
+        <p:txBody>
+          <a:bodyPr rot="0" spcFirstLastPara="0" vertOverflow="overflow" horzOverflow="overflow" vert="horz" wrap="square" lIns="91440" tIns="45720" rIns="91440" bIns="45720" numCol="1" spcCol="0" rtlCol="0" fromWordArt="0" anchor="t" anchorCtr="0" forceAA="0" compatLnSpc="1">
+            <a:prstTxWarp prst="textNoShape">
+              <a:avLst/>
+            </a:prstTxWarp>
+            <a:spAutoFit/>
+          </a:bodyPr>
+          <a:lstStyle/>
+          <a:p>
+            <a:r>
+              <a:rPr lang="en-US" sz="1200">
+                <a:ea typeface="+mn-lt"/>
+                <a:cs typeface="+mn-lt"/>
+              </a:rPr>
+              <a:t>main.cpp should add these lines:</a:t>
+            </a:r>
+            <a:endParaRPr lang="en-US" sz="1200"/>
+          </a:p>
+          <a:p>
+            <a:r>
+              <a:rPr lang="en-US" sz="1200">
+                <a:ea typeface="+mn-lt"/>
+                <a:cs typeface="+mn-lt"/>
+              </a:rPr>
+              <a:t>main.cpp should remove these lines:</a:t>
+            </a:r>
+            <a:endParaRPr lang="en-US" sz="1200"/>
+          </a:p>
+          <a:p>
+            <a:r>
+              <a:rPr lang="en-US" sz="1200">
+                <a:ea typeface="+mn-lt"/>
+                <a:cs typeface="+mn-lt"/>
+              </a:rPr>
+              <a:t>- #include &lt;cmath&gt;  // lines 2-2</a:t>
+            </a:r>
+            <a:endParaRPr lang="en-US" sz="1200"/>
+          </a:p>
+          <a:p>
+            <a:r>
+              <a:rPr lang="en-US" sz="1200">
+                <a:ea typeface="+mn-lt"/>
+                <a:cs typeface="+mn-lt"/>
+              </a:rPr>
+              <a:t>The full include-list for main.cpp:</a:t>
+            </a:r>
+            <a:endParaRPr lang="en-US" sz="1200"/>
+          </a:p>
+          <a:p>
+            <a:r>
+              <a:rPr lang="en-US" sz="1200">
+                <a:ea typeface="+mn-lt"/>
+                <a:cs typeface="+mn-lt"/>
+              </a:rPr>
+              <a:t>#include &lt;iostream&gt;  // for operator&lt;&lt;, endl, basic_ostream, cout, ostream</a:t>
+            </a:r>
+            <a:endParaRPr lang="en-US" sz="1200"/>
+          </a:p>
+        </p:txBody>
+      </p:sp>
+      <p:sp>
+        <p:nvSpPr>
+          <p:cNvPr id="9" name="TextBox 8">
+            <a:extLst>
+              <a:ext uri="{FF2B5EF4-FFF2-40B4-BE49-F238E27FC236}">
+                <a16:creationId xmlns:a16="http://schemas.microsoft.com/office/drawing/2014/main" id="{41DB68A3-5625-426B-99E0-0ACEE2BCC46A}"/>
+              </a:ext>
+            </a:extLst>
+          </p:cNvPr>
+          <p:cNvSpPr txBox="1"/>
+          <p:nvPr/>
+        </p:nvSpPr>
+        <p:spPr>
+          <a:xfrm>
+            <a:off x="1043268" y="2825003"/>
+            <a:ext cx="2743200" cy="1754326"/>
+          </a:xfrm>
+          <a:prstGeom prst="rect">
+            <a:avLst/>
+          </a:prstGeom>
+          <a:noFill/>
+        </p:spPr>
+        <p:txBody>
+          <a:bodyPr rot="0" spcFirstLastPara="0" vertOverflow="overflow" horzOverflow="overflow" vert="horz" wrap="square" lIns="91440" tIns="45720" rIns="91440" bIns="45720" numCol="1" spcCol="0" rtlCol="0" fromWordArt="0" anchor="t" anchorCtr="0" forceAA="0" compatLnSpc="1">
+            <a:prstTxWarp prst="textNoShape">
+              <a:avLst/>
+            </a:prstTxWarp>
+            <a:spAutoFit/>
+          </a:bodyPr>
+          <a:lstStyle/>
+          <a:p>
+            <a:r>
+              <a:rPr lang="en-US" sz="1200">
+                <a:ea typeface="+mn-lt"/>
+                <a:cs typeface="+mn-lt"/>
+              </a:rPr>
+              <a:t>#include &lt;iostream&gt;</a:t>
+            </a:r>
+            <a:endParaRPr lang="en-US" sz="1200" dirty="0"/>
+          </a:p>
+          <a:p>
+            <a:r>
+              <a:rPr lang="en-US" sz="1200">
+                <a:ea typeface="+mn-lt"/>
+                <a:cs typeface="+mn-lt"/>
+              </a:rPr>
+              <a:t>#include &lt;cmath&gt;</a:t>
+            </a:r>
+            <a:endParaRPr lang="en-US" sz="1200" dirty="0"/>
+          </a:p>
+          <a:p>
+            <a:endParaRPr lang="en-US" sz="1200" dirty="0"/>
+          </a:p>
+          <a:p>
+            <a:r>
+              <a:rPr lang="en-US" sz="1200">
+                <a:ea typeface="+mn-lt"/>
+                <a:cs typeface="+mn-lt"/>
+              </a:rPr>
+              <a:t>int main(int, char**)</a:t>
+            </a:r>
+            <a:endParaRPr lang="en-US" sz="1200" dirty="0"/>
+          </a:p>
+          <a:p>
+            <a:r>
+              <a:rPr lang="en-US" sz="1200">
+                <a:ea typeface="+mn-lt"/>
+                <a:cs typeface="+mn-lt"/>
+              </a:rPr>
+              <a:t>{</a:t>
+            </a:r>
+            <a:endParaRPr lang="en-US" sz="1200" dirty="0"/>
+          </a:p>
+          <a:p>
+            <a:r>
+              <a:rPr lang="en-US" sz="1200">
+                <a:ea typeface="+mn-lt"/>
+                <a:cs typeface="+mn-lt"/>
+              </a:rPr>
+              <a:t>std::cout &lt;&lt; __FUNCTION__ &lt;&lt; std::endl;</a:t>
+            </a:r>
+            <a:endParaRPr lang="en-US" sz="1200" dirty="0"/>
+          </a:p>
+          <a:p>
+            <a:r>
+              <a:rPr lang="en-US" sz="1200">
+                <a:ea typeface="+mn-lt"/>
+                <a:cs typeface="+mn-lt"/>
+              </a:rPr>
+              <a:t>return 0;</a:t>
+            </a:r>
+            <a:endParaRPr lang="en-US" sz="1200" dirty="0"/>
+          </a:p>
+          <a:p>
+            <a:pPr algn="l"/>
+            <a:r>
+              <a:rPr lang="en-US" sz="1200">
+                <a:ea typeface="+mn-lt"/>
+                <a:cs typeface="+mn-lt"/>
+              </a:rPr>
+              <a:t>}</a:t>
+            </a:r>
+            <a:endParaRPr lang="en-US" sz="1200" dirty="0"/>
+          </a:p>
+        </p:txBody>
+      </p:sp>
+    </p:spTree>
+    <p:extLst>
+      <p:ext uri="{BB962C8B-B14F-4D97-AF65-F5344CB8AC3E}">
+        <p14:creationId xmlns:p14="http://schemas.microsoft.com/office/powerpoint/2010/main" val="1080150169"/>
       </p:ext>
     </p:extLst>
   </p:cSld>
